--- a/week 4/IBM_Capstone_DS.pptx
+++ b/week 4/IBM_Capstone_DS.pptx
@@ -10,7 +10,7 @@
     <p:sldId id="258" r:id="rId4"/>
     <p:sldId id="259" r:id="rId5"/>
     <p:sldId id="260" r:id="rId6"/>
-    <p:sldId id="261" r:id="rId7"/>
+    <p:sldId id="262" r:id="rId7"/>
   </p:sldIdLst>
   <p:sldSz cx="12192000" cy="6858000"/>
   <p:notesSz cx="6858000" cy="9144000"/>
@@ -109,6 +109,11 @@
       </a:defRPr>
     </a:lvl9pPr>
   </p:defaultTextStyle>
+  <p:extLst>
+    <p:ext uri="{EFAFB233-063F-42B5-8137-9DF3F51BA10A}">
+      <p15:sldGuideLst xmlns:p15="http://schemas.microsoft.com/office/powerpoint/2012/main"/>
+    </p:ext>
+  </p:extLst>
 </p:presentation>
 </file>
 
@@ -243,7 +248,7 @@
           <a:p>
             <a:fld id="{73F9F4A5-F932-4A98-95FA-D60BB51E69A2}" type="datetimeFigureOut">
               <a:rPr lang="en-IN" smtClean="0"/>
-              <a:t>28-07-2021</a:t>
+              <a:t>29-07-2021</a:t>
             </a:fld>
             <a:endParaRPr lang="en-IN"/>
           </a:p>
@@ -413,7 +418,7 @@
           <a:p>
             <a:fld id="{73F9F4A5-F932-4A98-95FA-D60BB51E69A2}" type="datetimeFigureOut">
               <a:rPr lang="en-IN" smtClean="0"/>
-              <a:t>28-07-2021</a:t>
+              <a:t>29-07-2021</a:t>
             </a:fld>
             <a:endParaRPr lang="en-IN"/>
           </a:p>
@@ -593,7 +598,7 @@
           <a:p>
             <a:fld id="{73F9F4A5-F932-4A98-95FA-D60BB51E69A2}" type="datetimeFigureOut">
               <a:rPr lang="en-IN" smtClean="0"/>
-              <a:t>28-07-2021</a:t>
+              <a:t>29-07-2021</a:t>
             </a:fld>
             <a:endParaRPr lang="en-IN"/>
           </a:p>
@@ -763,7 +768,7 @@
           <a:p>
             <a:fld id="{73F9F4A5-F932-4A98-95FA-D60BB51E69A2}" type="datetimeFigureOut">
               <a:rPr lang="en-IN" smtClean="0"/>
-              <a:t>28-07-2021</a:t>
+              <a:t>29-07-2021</a:t>
             </a:fld>
             <a:endParaRPr lang="en-IN"/>
           </a:p>
@@ -1009,7 +1014,7 @@
           <a:p>
             <a:fld id="{73F9F4A5-F932-4A98-95FA-D60BB51E69A2}" type="datetimeFigureOut">
               <a:rPr lang="en-IN" smtClean="0"/>
-              <a:t>28-07-2021</a:t>
+              <a:t>29-07-2021</a:t>
             </a:fld>
             <a:endParaRPr lang="en-IN"/>
           </a:p>
@@ -1241,7 +1246,7 @@
           <a:p>
             <a:fld id="{73F9F4A5-F932-4A98-95FA-D60BB51E69A2}" type="datetimeFigureOut">
               <a:rPr lang="en-IN" smtClean="0"/>
-              <a:t>28-07-2021</a:t>
+              <a:t>29-07-2021</a:t>
             </a:fld>
             <a:endParaRPr lang="en-IN"/>
           </a:p>
@@ -1608,7 +1613,7 @@
           <a:p>
             <a:fld id="{73F9F4A5-F932-4A98-95FA-D60BB51E69A2}" type="datetimeFigureOut">
               <a:rPr lang="en-IN" smtClean="0"/>
-              <a:t>28-07-2021</a:t>
+              <a:t>29-07-2021</a:t>
             </a:fld>
             <a:endParaRPr lang="en-IN"/>
           </a:p>
@@ -1726,7 +1731,7 @@
           <a:p>
             <a:fld id="{73F9F4A5-F932-4A98-95FA-D60BB51E69A2}" type="datetimeFigureOut">
               <a:rPr lang="en-IN" smtClean="0"/>
-              <a:t>28-07-2021</a:t>
+              <a:t>29-07-2021</a:t>
             </a:fld>
             <a:endParaRPr lang="en-IN"/>
           </a:p>
@@ -1821,7 +1826,7 @@
           <a:p>
             <a:fld id="{73F9F4A5-F932-4A98-95FA-D60BB51E69A2}" type="datetimeFigureOut">
               <a:rPr lang="en-IN" smtClean="0"/>
-              <a:t>28-07-2021</a:t>
+              <a:t>29-07-2021</a:t>
             </a:fld>
             <a:endParaRPr lang="en-IN"/>
           </a:p>
@@ -2098,7 +2103,7 @@
           <a:p>
             <a:fld id="{73F9F4A5-F932-4A98-95FA-D60BB51E69A2}" type="datetimeFigureOut">
               <a:rPr lang="en-IN" smtClean="0"/>
-              <a:t>28-07-2021</a:t>
+              <a:t>29-07-2021</a:t>
             </a:fld>
             <a:endParaRPr lang="en-IN"/>
           </a:p>
@@ -2351,7 +2356,7 @@
           <a:p>
             <a:fld id="{73F9F4A5-F932-4A98-95FA-D60BB51E69A2}" type="datetimeFigureOut">
               <a:rPr lang="en-IN" smtClean="0"/>
-              <a:t>28-07-2021</a:t>
+              <a:t>29-07-2021</a:t>
             </a:fld>
             <a:endParaRPr lang="en-IN"/>
           </a:p>
@@ -2564,7 +2569,7 @@
           <a:p>
             <a:fld id="{73F9F4A5-F932-4A98-95FA-D60BB51E69A2}" type="datetimeFigureOut">
               <a:rPr lang="en-IN" smtClean="0"/>
-              <a:t>28-07-2021</a:t>
+              <a:t>29-07-2021</a:t>
             </a:fld>
             <a:endParaRPr lang="en-IN"/>
           </a:p>
@@ -2969,9 +2974,40 @@
           <a:chExt cx="0" cy="0"/>
         </a:xfrm>
       </p:grpSpPr>
+      <p:cxnSp>
+        <p:nvCxnSpPr>
+          <p:cNvPr id="8" name="Straight Connector 7"/>
+          <p:cNvCxnSpPr/>
+          <p:nvPr/>
+        </p:nvCxnSpPr>
+        <p:spPr>
+          <a:xfrm>
+            <a:off x="7442688" y="2092563"/>
+            <a:ext cx="3525716" cy="35169"/>
+          </a:xfrm>
+          <a:prstGeom prst="line">
+            <a:avLst/>
+          </a:prstGeom>
+          <a:ln/>
+        </p:spPr>
+        <p:style>
+          <a:lnRef idx="3">
+            <a:schemeClr val="accent2"/>
+          </a:lnRef>
+          <a:fillRef idx="0">
+            <a:schemeClr val="accent2"/>
+          </a:fillRef>
+          <a:effectRef idx="2">
+            <a:schemeClr val="accent2"/>
+          </a:effectRef>
+          <a:fontRef idx="minor">
+            <a:schemeClr val="tx1"/>
+          </a:fontRef>
+        </p:style>
+      </p:cxnSp>
       <p:pic>
         <p:nvPicPr>
-          <p:cNvPr id="4" name="Picture 3"/>
+          <p:cNvPr id="2" name="Picture 1"/>
           <p:cNvPicPr>
             <a:picLocks noChangeAspect="1"/>
           </p:cNvPicPr>
@@ -2991,8 +3027,8 @@
         </p:blipFill>
         <p:spPr>
           <a:xfrm>
-            <a:off x="4566" y="0"/>
-            <a:ext cx="12187434" cy="6858000"/>
+            <a:off x="0" y="1"/>
+            <a:ext cx="12192000" cy="6858000"/>
           </a:xfrm>
           <a:prstGeom prst="rect">
             <a:avLst/>
@@ -3043,10 +3079,24 @@
           <a:prstGeom prst="rect">
             <a:avLst/>
           </a:prstGeom>
-          <a:solidFill>
-            <a:schemeClr val="bg1"/>
-          </a:solidFill>
+          <a:ln>
+            <a:noFill/>
+          </a:ln>
         </p:spPr>
+        <p:style>
+          <a:lnRef idx="2">
+            <a:schemeClr val="dk1"/>
+          </a:lnRef>
+          <a:fillRef idx="1">
+            <a:schemeClr val="lt1"/>
+          </a:fillRef>
+          <a:effectRef idx="0">
+            <a:schemeClr val="dk1"/>
+          </a:effectRef>
+          <a:fontRef idx="minor">
+            <a:schemeClr val="dk1"/>
+          </a:fontRef>
+        </p:style>
         <p:txBody>
           <a:bodyPr wrap="square" rtlCol="0">
             <a:spAutoFit/>
@@ -3116,50 +3166,15 @@
               <a:t>_</a:t>
             </a:r>
             <a:r>
-              <a:rPr lang="en-IN" dirty="0" err="1" smtClean="0">
+              <a:rPr lang="en-IN" dirty="0" smtClean="0">
                 <a:latin typeface="Segoe UI Emoji" panose="020B0502040204020203" pitchFamily="34" charset="0"/>
                 <a:ea typeface="Segoe UI Emoji" panose="020B0502040204020203" pitchFamily="34" charset="0"/>
               </a:rPr>
               <a:t>Mehatab</a:t>
             </a:r>
-            <a:endParaRPr lang="en-IN" dirty="0" smtClean="0">
-              <a:latin typeface="Segoe UI Emoji" panose="020B0502040204020203" pitchFamily="34" charset="0"/>
-              <a:ea typeface="Segoe UI Emoji" panose="020B0502040204020203" pitchFamily="34" charset="0"/>
-            </a:endParaRPr>
-          </a:p>
-        </p:txBody>
-      </p:sp>
-      <p:cxnSp>
-        <p:nvCxnSpPr>
-          <p:cNvPr id="8" name="Straight Connector 7"/>
-          <p:cNvCxnSpPr/>
-          <p:nvPr/>
-        </p:nvCxnSpPr>
-        <p:spPr>
-          <a:xfrm>
-            <a:off x="7442688" y="2092563"/>
-            <a:ext cx="3525716" cy="35169"/>
-          </a:xfrm>
-          <a:prstGeom prst="line">
-            <a:avLst/>
-          </a:prstGeom>
-          <a:ln/>
-        </p:spPr>
-        <p:style>
-          <a:lnRef idx="3">
-            <a:schemeClr val="accent2"/>
-          </a:lnRef>
-          <a:fillRef idx="0">
-            <a:schemeClr val="accent2"/>
-          </a:fillRef>
-          <a:effectRef idx="2">
-            <a:schemeClr val="accent2"/>
-          </a:effectRef>
-          <a:fontRef idx="minor">
-            <a:schemeClr val="tx1"/>
-          </a:fontRef>
-        </p:style>
-      </p:cxnSp>
+          </a:p>
+        </p:txBody>
+      </p:sp>
     </p:spTree>
     <p:extLst>
       <p:ext uri="{BB962C8B-B14F-4D97-AF65-F5344CB8AC3E}">
@@ -3467,15 +3482,7 @@
             </a:r>
             <a:r>
               <a:rPr lang="en-US" sz="1700" dirty="0"/>
-              <a:t>are located in the city. </a:t>
-            </a:r>
-            <a:r>
-              <a:rPr lang="en-US" sz="1700" dirty="0"/>
-              <a:t>The city also houses the Kannada film industry. </a:t>
-            </a:r>
-            <a:r>
-              <a:rPr lang="en-US" sz="1700" dirty="0"/>
-              <a:t>It was ranked the most </a:t>
+              <a:t>are located in the city. The city also houses the Kannada film industry. It was ranked the most </a:t>
             </a:r>
             <a:r>
               <a:rPr lang="en-US" sz="1700" dirty="0" smtClean="0"/>
@@ -3599,7 +3606,7 @@
         </p:nvSpPr>
         <p:spPr>
           <a:xfrm>
-            <a:off x="838200" y="1570648"/>
+            <a:off x="838200" y="1403594"/>
             <a:ext cx="10515600" cy="4351338"/>
           </a:xfrm>
           <a:ln w="19050">
@@ -3767,6 +3774,10 @@
           </p:nvPr>
         </p:nvSpPr>
         <p:spPr>
+          <a:xfrm>
+            <a:off x="838200" y="144464"/>
+            <a:ext cx="10515600" cy="1325563"/>
+          </a:xfrm>
           <a:ln w="19050">
             <a:noFill/>
           </a:ln>
@@ -3821,7 +3832,7 @@
         </p:nvSpPr>
         <p:spPr>
           <a:xfrm>
-            <a:off x="838200" y="1570649"/>
+            <a:off x="838200" y="1325563"/>
             <a:ext cx="10515600" cy="4351338"/>
           </a:xfrm>
         </p:spPr>
@@ -3899,11 +3910,7 @@
             </a:r>
             <a:r>
               <a:rPr lang="en-US" sz="1700" dirty="0" smtClean="0"/>
-              <a:t>Bangalore</a:t>
-            </a:r>
-            <a:r>
-              <a:rPr lang="en-US" sz="1700" dirty="0" smtClean="0"/>
-              <a:t> </a:t>
+              <a:t>Bangalore </a:t>
             </a:r>
             <a:r>
               <a:rPr lang="en-US" sz="1700" dirty="0"/>
@@ -4268,7 +4275,7 @@
         </p:nvSpPr>
         <p:spPr>
           <a:xfrm>
-            <a:off x="838200" y="118940"/>
+            <a:off x="838200" y="89999"/>
             <a:ext cx="10515600" cy="1325563"/>
           </a:xfrm>
         </p:spPr>
@@ -4277,7 +4284,7 @@
           <a:lstStyle/>
           <a:p>
             <a:r>
-              <a:rPr lang="en-IN" dirty="0" smtClean="0">
+              <a:rPr lang="en-US" dirty="0">
                 <a:solidFill>
                   <a:schemeClr val="accent1">
                     <a:lumMod val="50000"/>
@@ -4291,7 +4298,24 @@
                   </a:outerShdw>
                 </a:effectLst>
               </a:rPr>
-              <a:t>Data collection </a:t>
+              <a:t>Data </a:t>
+            </a:r>
+            <a:r>
+              <a:rPr lang="en-US" dirty="0" smtClean="0">
+                <a:solidFill>
+                  <a:schemeClr val="accent1">
+                    <a:lumMod val="50000"/>
+                  </a:schemeClr>
+                </a:solidFill>
+                <a:effectLst>
+                  <a:outerShdw blurRad="38100" dist="38100" dir="2700000" algn="tl">
+                    <a:srgbClr val="000000">
+                      <a:alpha val="43137"/>
+                    </a:srgbClr>
+                  </a:outerShdw>
+                </a:effectLst>
+              </a:rPr>
+              <a:t>Description</a:t>
             </a:r>
             <a:endParaRPr lang="en-IN" dirty="0">
               <a:solidFill>
@@ -4322,144 +4346,210 @@
         </p:nvSpPr>
         <p:spPr>
           <a:xfrm>
-            <a:off x="838200" y="1338995"/>
-            <a:ext cx="10515600" cy="3150821"/>
+            <a:off x="838200" y="1415562"/>
+            <a:ext cx="10515600" cy="4761401"/>
           </a:xfrm>
         </p:spPr>
         <p:txBody>
           <a:bodyPr>
-            <a:normAutofit/>
+            <a:noAutofit/>
           </a:bodyPr>
           <a:lstStyle/>
           <a:p>
-            <a:pPr algn="just">
-              <a:lnSpc>
-                <a:spcPct val="100000"/>
-              </a:lnSpc>
+            <a:pPr marL="0" indent="0">
+              <a:buNone/>
             </a:pPr>
             <a:r>
+              <a:rPr lang="en-US" sz="1700" dirty="0" smtClean="0"/>
+              <a:t>Bangalore’s </a:t>
+            </a:r>
+            <a:r>
               <a:rPr lang="en-US" sz="1700" dirty="0"/>
-              <a:t>Bangalore’s demographics show that it is a large and ethnically diverse metropolis. With its diverse society, comes diverse infrastructure. </a:t>
+              <a:t>demographics show that it is a large and ethnically diverse metropolis. With its diverse society, comes diverse infrastructure. There are many different kinds of infrastructure in </a:t>
+            </a:r>
+            <a:r>
+              <a:rPr lang="en-US" sz="1700" dirty="0" smtClean="0"/>
+              <a:t>the City</a:t>
             </a:r>
             <a:r>
               <a:rPr lang="en-US" sz="1700" dirty="0"/>
-              <a:t>There are many different kinds of infrastructure </a:t>
-            </a:r>
+              <a:t>, each belonging to different categories like Hospitals, Schools, Colleges, Hotels, etc.</a:t>
+            </a:r>
+          </a:p>
+          <a:p>
+            <a:pPr marL="0" indent="0">
+              <a:buNone/>
+            </a:pPr>
+            <a:r>
+              <a:rPr lang="en-US" sz="1700" dirty="0"/>
+              <a:t>For this project we need the following data:</a:t>
+            </a:r>
+          </a:p>
+          <a:p>
             <a:r>
               <a:rPr lang="en-US" sz="1700" dirty="0" smtClean="0"/>
-              <a:t>in the city, </a:t>
+              <a:t>Geospatial data (Collected from Kaggle datasets)</a:t>
+            </a:r>
+            <a:endParaRPr lang="en-US" sz="1700" dirty="0"/>
+          </a:p>
+          <a:p>
+            <a:pPr lvl="1"/>
+            <a:r>
+              <a:rPr lang="en-US" sz="1700" dirty="0" smtClean="0"/>
+              <a:t>Data </a:t>
             </a:r>
             <a:r>
               <a:rPr lang="en-US" sz="1700" dirty="0"/>
-              <a:t>each belonging to different categories like Hospitals, Schools, Colleges, Hotels, etc. </a:t>
-            </a:r>
-          </a:p>
-          <a:p>
-            <a:pPr algn="just"/>
+              <a:t>source: </a:t>
+            </a:r>
+            <a:r>
+              <a:rPr lang="en-US" sz="1700" dirty="0" smtClean="0">
+                <a:hlinkClick r:id="rId2"/>
+              </a:rPr>
+              <a:t>https://www.kaggle.com/rmenon1998/bangalore-neighborhoods</a:t>
+            </a:r>
+            <a:endParaRPr lang="en-US" sz="1700" dirty="0" smtClean="0"/>
+          </a:p>
+          <a:p>
+            <a:pPr lvl="1"/>
             <a:r>
               <a:rPr lang="en-US" sz="1700" dirty="0" smtClean="0"/>
-              <a:t>Bangalore </a:t>
+              <a:t>Description</a:t>
             </a:r>
             <a:r>
               <a:rPr lang="en-US" sz="1700" dirty="0"/>
-              <a:t>Neighborhoods dataset </a:t>
+              <a:t>: Contain a list of </a:t>
             </a:r>
             <a:r>
               <a:rPr lang="en-US" sz="1700" dirty="0" smtClean="0"/>
-              <a:t>is obtained </a:t>
+              <a:t>Neighborhoods, </a:t>
             </a:r>
             <a:r>
               <a:rPr lang="en-US" sz="1700" dirty="0"/>
-              <a:t>from Kaggle consisting of the latitude and longitude values for all the neighborhoods in the city which </a:t>
+              <a:t>latitude and longitude coordinates </a:t>
             </a:r>
             <a:r>
               <a:rPr lang="en-US" sz="1700" dirty="0" smtClean="0"/>
-              <a:t>will be </a:t>
+              <a:t>of the respective area</a:t>
+            </a:r>
+            <a:endParaRPr lang="en-US" sz="1700" dirty="0"/>
+          </a:p>
+          <a:p>
+            <a:r>
+              <a:rPr lang="en-US" sz="1700" dirty="0" smtClean="0"/>
+              <a:t>Different </a:t>
             </a:r>
             <a:r>
               <a:rPr lang="en-US" sz="1700" dirty="0"/>
-              <a:t>used to obtain information about the nearby venues for Clustering.</a:t>
-            </a:r>
-          </a:p>
-          <a:p>
-            <a:pPr algn="just"/>
+              <a:t>kinds of infrastructures in each neighborhood </a:t>
+            </a:r>
             <a:r>
               <a:rPr lang="en-US" sz="1700" dirty="0" smtClean="0"/>
-              <a:t>South </a:t>
+              <a:t>of </a:t>
             </a:r>
             <a:r>
               <a:rPr lang="en-US" sz="1700" dirty="0"/>
-              <a:t>Indian restaurants and parks data </a:t>
+              <a:t>Bangalore</a:t>
             </a:r>
             <a:r>
               <a:rPr lang="en-US" sz="1700" dirty="0" smtClean="0"/>
-              <a:t>retrieved from </a:t>
+              <a:t>.</a:t>
+            </a:r>
+            <a:endParaRPr lang="en-US" sz="1700" dirty="0"/>
+          </a:p>
+          <a:p>
+            <a:pPr lvl="1"/>
+            <a:r>
+              <a:rPr lang="en-US" sz="1700" dirty="0" smtClean="0"/>
+              <a:t>Data </a:t>
             </a:r>
             <a:r>
               <a:rPr lang="en-US" sz="1700" dirty="0"/>
-              <a:t>Foursquare API</a:t>
-            </a:r>
+              <a:t>source: Foursquare API</a:t>
+            </a:r>
+          </a:p>
+          <a:p>
+            <a:pPr lvl="1"/>
             <a:r>
               <a:rPr lang="en-US" sz="1700" dirty="0" smtClean="0"/>
-              <a:t>, which </a:t>
+              <a:t>Description</a:t>
             </a:r>
             <a:r>
               <a:rPr lang="en-US" sz="1700" dirty="0"/>
-              <a:t>will be used to generate our ideal locations in the city and cluster them based on similarity for the user.</a:t>
-            </a:r>
-          </a:p>
-          <a:p>
-            <a:endParaRPr lang="en-IN" dirty="0"/>
-          </a:p>
-        </p:txBody>
-      </p:sp>
-      <p:pic>
-        <p:nvPicPr>
-          <p:cNvPr id="4" name="Picture 3"/>
-          <p:cNvPicPr>
-            <a:picLocks noChangeAspect="1"/>
-          </p:cNvPicPr>
-          <p:nvPr/>
-        </p:nvPicPr>
-        <p:blipFill>
-          <a:blip r:embed="rId2" cstate="print">
-            <a:extLst>
-              <a:ext uri="{28A0092B-C50C-407E-A947-70E740481C1C}">
-                <a14:useLocalDpi xmlns:a14="http://schemas.microsoft.com/office/drawing/2010/main" val="0"/>
-              </a:ext>
-            </a:extLst>
-          </a:blip>
-          <a:stretch>
-            <a:fillRect/>
-          </a:stretch>
-        </p:blipFill>
-        <p:spPr>
-          <a:xfrm>
-            <a:off x="3713125" y="3587262"/>
-            <a:ext cx="4761695" cy="3270738"/>
-          </a:xfrm>
-          <a:prstGeom prst="rect">
-            <a:avLst/>
-          </a:prstGeom>
-        </p:spPr>
-      </p:pic>
+              <a:t>: By using this API we will get all the venues in each Neighborhood</a:t>
+            </a:r>
+            <a:r>
+              <a:rPr lang="en-US" sz="1700" dirty="0" smtClean="0"/>
+              <a:t>. </a:t>
+            </a:r>
+            <a:r>
+              <a:rPr lang="en-US" sz="1700" dirty="0"/>
+              <a:t>We can filter </a:t>
+            </a:r>
+            <a:r>
+              <a:rPr lang="en-US" sz="1700" dirty="0" smtClean="0"/>
+              <a:t>this data </a:t>
+            </a:r>
+            <a:r>
+              <a:rPr lang="en-US" sz="1700" dirty="0"/>
+              <a:t>to get different infrastructures and venues.</a:t>
+            </a:r>
+          </a:p>
+          <a:p>
+            <a:r>
+              <a:rPr lang="en-US" sz="1700" dirty="0" smtClean="0"/>
+              <a:t>We will explore </a:t>
+            </a:r>
+            <a:r>
+              <a:rPr lang="en-US" sz="1700" dirty="0"/>
+              <a:t>and </a:t>
+            </a:r>
+            <a:r>
+              <a:rPr lang="en-US" sz="1700" dirty="0" smtClean="0"/>
+              <a:t>analyze this data </a:t>
+            </a:r>
+            <a:r>
+              <a:rPr lang="en-US" sz="1700" dirty="0"/>
+              <a:t>to answer </a:t>
+            </a:r>
+            <a:r>
+              <a:rPr lang="en-US" sz="1700" dirty="0" smtClean="0"/>
+              <a:t>our questions and address the business problem. </a:t>
+            </a:r>
+            <a:r>
+              <a:rPr lang="en-US" sz="1700"/>
+              <a:t>This </a:t>
+            </a:r>
+            <a:r>
+              <a:rPr lang="en-US" sz="1700" smtClean="0"/>
+              <a:t>study makes </a:t>
+            </a:r>
+            <a:r>
+              <a:rPr lang="en-US" sz="1700" dirty="0"/>
+              <a:t>use of many data science </a:t>
+            </a:r>
+            <a:r>
+              <a:rPr lang="en-US" sz="1700" dirty="0" smtClean="0"/>
+              <a:t>skills ranging from data sourcing, </a:t>
+            </a:r>
+            <a:r>
+              <a:rPr lang="en-US" sz="1700" dirty="0"/>
+              <a:t>working with API (Foursquare), data cleaning, data wrangling and map visualization (Folium) and to machine learning (K-means clustering).</a:t>
+            </a:r>
+            <a:endParaRPr lang="en-IN" sz="1700" dirty="0"/>
+          </a:p>
+        </p:txBody>
+      </p:sp>
     </p:spTree>
     <p:extLst>
       <p:ext uri="{BB962C8B-B14F-4D97-AF65-F5344CB8AC3E}">
-        <p14:creationId xmlns:p14="http://schemas.microsoft.com/office/powerpoint/2010/main" val="603468487"/>
+        <p14:creationId xmlns:p14="http://schemas.microsoft.com/office/powerpoint/2010/main" val="3693319973"/>
       </p:ext>
     </p:extLst>
   </p:cSld>
   <p:clrMapOvr>
     <a:masterClrMapping/>
   </p:clrMapOvr>
-  <p:timing>
-    <p:tnLst>
-      <p:par>
-        <p:cTn id="1" dur="indefinite" restart="never" nodeType="tmRoot"/>
-      </p:par>
-    </p:tnLst>
-  </p:timing>
 </p:sld>
 </file>
 
